--- a/Exposicion.pptx
+++ b/Exposicion.pptx
@@ -211,7 +211,7 @@
           <a:p>
             <a:fld id="{9BD6255C-EC74-479D-B900-AE4775D16969}" type="datetimeFigureOut">
               <a:rPr lang="en-US" smtClean="0"/>
-              <a:t>8/31/2022</a:t>
+              <a:t>9/1/2022</a:t>
             </a:fld>
             <a:endParaRPr lang="en-US"/>
           </a:p>
@@ -894,6 +894,93 @@
           <a:bodyPr/>
           <a:lstStyle/>
           <a:p>
+            <a:r>
+              <a:rPr lang="es-MX" dirty="0"/>
+              <a:t>Fuentes genéricas y fuentes especificas</a:t>
+            </a:r>
+          </a:p>
+        </p:txBody>
+      </p:sp>
+      <p:sp>
+        <p:nvSpPr>
+          <p:cNvPr id="4" name="Slide Number Placeholder 3"/>
+          <p:cNvSpPr>
+            <a:spLocks noGrp="1"/>
+          </p:cNvSpPr>
+          <p:nvPr>
+            <p:ph type="sldNum" sz="quarter" idx="5"/>
+          </p:nvPr>
+        </p:nvSpPr>
+        <p:spPr/>
+        <p:txBody>
+          <a:bodyPr/>
+          <a:lstStyle/>
+          <a:p>
+            <a:fld id="{74879FE6-F6A0-4C23-91C4-09F632FFD7E8}" type="slidenum">
+              <a:rPr lang="en-US" smtClean="0"/>
+              <a:t>12</a:t>
+            </a:fld>
+            <a:endParaRPr lang="en-US"/>
+          </a:p>
+        </p:txBody>
+      </p:sp>
+    </p:spTree>
+    <p:extLst>
+      <p:ext uri="{BB962C8B-B14F-4D97-AF65-F5344CB8AC3E}">
+        <p14:creationId xmlns:p14="http://schemas.microsoft.com/office/powerpoint/2010/main" val="2311580271"/>
+      </p:ext>
+    </p:extLst>
+  </p:cSld>
+  <p:clrMapOvr>
+    <a:masterClrMapping/>
+  </p:clrMapOvr>
+</p:notes>
+</file>
+
+<file path=ppt/notesSlides/notesSlide5.xml><?xml version="1.0" encoding="utf-8"?>
+<p:notes xmlns:a="http://schemas.openxmlformats.org/drawingml/2006/main" xmlns:r="http://schemas.openxmlformats.org/officeDocument/2006/relationships" xmlns:p="http://schemas.openxmlformats.org/presentationml/2006/main">
+  <p:cSld>
+    <p:spTree>
+      <p:nvGrpSpPr>
+        <p:cNvPr id="1" name=""/>
+        <p:cNvGrpSpPr/>
+        <p:nvPr/>
+      </p:nvGrpSpPr>
+      <p:grpSpPr>
+        <a:xfrm>
+          <a:off x="0" y="0"/>
+          <a:ext cx="0" cy="0"/>
+          <a:chOff x="0" y="0"/>
+          <a:chExt cx="0" cy="0"/>
+        </a:xfrm>
+      </p:grpSpPr>
+      <p:sp>
+        <p:nvSpPr>
+          <p:cNvPr id="2" name="Slide Image Placeholder 1"/>
+          <p:cNvSpPr>
+            <a:spLocks noGrp="1" noRot="1" noChangeAspect="1"/>
+          </p:cNvSpPr>
+          <p:nvPr>
+            <p:ph type="sldImg"/>
+          </p:nvPr>
+        </p:nvSpPr>
+        <p:spPr/>
+      </p:sp>
+      <p:sp>
+        <p:nvSpPr>
+          <p:cNvPr id="3" name="Notes Placeholder 2"/>
+          <p:cNvSpPr>
+            <a:spLocks noGrp="1"/>
+          </p:cNvSpPr>
+          <p:nvPr>
+            <p:ph type="body" idx="1"/>
+          </p:nvPr>
+        </p:nvSpPr>
+        <p:spPr/>
+        <p:txBody>
+          <a:bodyPr/>
+          <a:lstStyle/>
+          <a:p>
             <a:endParaRPr lang="en-US" dirty="0"/>
           </a:p>
         </p:txBody>
@@ -994,7 +1081,7 @@
 </p:notes>
 </file>
 
-<file path=ppt/notesSlides/notesSlide5.xml><?xml version="1.0" encoding="utf-8"?>
+<file path=ppt/notesSlides/notesSlide6.xml><?xml version="1.0" encoding="utf-8"?>
 <p:notes xmlns:a="http://schemas.openxmlformats.org/drawingml/2006/main" xmlns:r="http://schemas.openxmlformats.org/officeDocument/2006/relationships" xmlns:p="http://schemas.openxmlformats.org/presentationml/2006/main">
   <p:cSld>
     <p:spTree>
@@ -6305,7 +6392,7 @@
                 <a:ea typeface="+mn-ea"/>
                 <a:cs typeface="+mn-cs"/>
               </a:rPr>
-              <a:t>Al contrario que las anteriores Css3 es modular, esto quiere decir que la página estará conformada por módulos independientes que van sumando funcionalidades, actualmente cuenta con muchas características por las cuales se dejaron de usar las versiones pasadas</a:t>
+              <a:t>Al contrario que las anteriores CSS3 es modular, esto quiere decir que la página estará conformada por módulos independientes que van sumando funcionalidades, actualmente cuenta con muchas características por las cuales se dejaron de usar las versiones pasadas</a:t>
             </a:r>
           </a:p>
         </p:txBody>
@@ -7768,7 +7855,7 @@
         <p:spPr>
           <a:xfrm>
             <a:off x="411480" y="1111351"/>
-            <a:ext cx="11369040" cy="1631216"/>
+            <a:ext cx="11369040" cy="1938992"/>
           </a:xfrm>
           <a:prstGeom prst="rect">
             <a:avLst/>
@@ -7848,7 +7935,109 @@
                 <a:ea typeface="+mn-ea"/>
                 <a:cs typeface="+mn-cs"/>
               </a:rPr>
-              <a:t>Encontrará CSS en la mayoría de las páginas web hoy en día, y debido a que es tan importante como el propio lenguaje de marcado, ya sea HTML o XML por mencionar a 2 de los más comunes</a:t>
+              <a:t>Encontrará CSS en la mayoría de las páginas web hoy en día, y debido a que es tan importante como el propio lenguaje de marcado (</a:t>
+            </a:r>
+            <a:r>
+              <a:rPr kumimoji="0" lang="en-US" sz="2000" b="0" i="0" u="none" strike="noStrike" kern="1200" cap="none" spc="0" normalizeH="0" baseline="0" dirty="0">
+                <a:ln>
+                  <a:noFill/>
+                </a:ln>
+                <a:solidFill>
+                  <a:srgbClr val="EB9B0B"/>
+                </a:solidFill>
+                <a:effectLst/>
+                <a:uLnTx/>
+                <a:uFillTx/>
+                <a:latin typeface="Calibri" panose="020F0502020204030204"/>
+                <a:ea typeface="+mn-ea"/>
+                <a:cs typeface="+mn-cs"/>
+              </a:rPr>
+              <a:t>Markup Language</a:t>
+            </a:r>
+            <a:r>
+              <a:rPr kumimoji="0" lang="es-ES" sz="2000" b="0" i="0" u="none" strike="noStrike" kern="1200" cap="none" spc="0" normalizeH="0" baseline="0" noProof="0" dirty="0">
+                <a:ln>
+                  <a:noFill/>
+                </a:ln>
+                <a:solidFill>
+                  <a:srgbClr val="EB9B0B"/>
+                </a:solidFill>
+                <a:effectLst/>
+                <a:uLnTx/>
+                <a:uFillTx/>
+                <a:latin typeface="Calibri" panose="020F0502020204030204"/>
+                <a:ea typeface="+mn-ea"/>
+                <a:cs typeface="+mn-cs"/>
+              </a:rPr>
+              <a:t>), ya sea HTML (</a:t>
+            </a:r>
+            <a:r>
+              <a:rPr kumimoji="0" lang="en-US" sz="2000" b="0" i="0" u="none" strike="noStrike" kern="1200" cap="none" spc="0" normalizeH="0" baseline="0" dirty="0">
+                <a:ln>
+                  <a:noFill/>
+                </a:ln>
+                <a:solidFill>
+                  <a:srgbClr val="EB9B0B"/>
+                </a:solidFill>
+                <a:effectLst/>
+                <a:uLnTx/>
+                <a:uFillTx/>
+                <a:latin typeface="Calibri" panose="020F0502020204030204"/>
+                <a:ea typeface="+mn-ea"/>
+                <a:cs typeface="+mn-cs"/>
+              </a:rPr>
+              <a:t>HyperText Markup Language</a:t>
+            </a:r>
+            <a:r>
+              <a:rPr kumimoji="0" lang="es-ES" sz="2000" b="0" i="0" u="none" strike="noStrike" kern="1200" cap="none" spc="0" normalizeH="0" baseline="0" noProof="0" dirty="0">
+                <a:ln>
+                  <a:noFill/>
+                </a:ln>
+                <a:solidFill>
+                  <a:srgbClr val="EB9B0B"/>
+                </a:solidFill>
+                <a:effectLst/>
+                <a:uLnTx/>
+                <a:uFillTx/>
+                <a:latin typeface="Calibri" panose="020F0502020204030204"/>
+                <a:ea typeface="+mn-ea"/>
+                <a:cs typeface="+mn-cs"/>
+              </a:rPr>
+              <a:t>) o XML (</a:t>
+            </a:r>
+            <a:r>
+              <a:rPr kumimoji="0" lang="en-US" sz="2000" b="0" i="0" u="none" strike="noStrike" kern="1200" cap="none" spc="0" normalizeH="0" baseline="0" dirty="0">
+                <a:ln>
+                  <a:noFill/>
+                </a:ln>
+                <a:solidFill>
+                  <a:srgbClr val="EB9B0B"/>
+                </a:solidFill>
+                <a:effectLst/>
+                <a:uLnTx/>
+                <a:uFillTx/>
+                <a:latin typeface="Calibri" panose="020F0502020204030204"/>
+                <a:ea typeface="+mn-ea"/>
+                <a:cs typeface="+mn-cs"/>
+              </a:rPr>
+              <a:t>Extensible Markup Language</a:t>
+            </a:r>
+            <a:r>
+              <a:rPr kumimoji="0" lang="es-ES" sz="2000" b="0" i="0" u="none" strike="noStrike" kern="1200" cap="none" spc="0" normalizeH="0" baseline="0" noProof="0" dirty="0">
+                <a:ln>
+                  <a:noFill/>
+                </a:ln>
+                <a:solidFill>
+                  <a:srgbClr val="EB9B0B"/>
+                </a:solidFill>
+                <a:effectLst/>
+                <a:uLnTx/>
+                <a:uFillTx/>
+                <a:latin typeface="Calibri" panose="020F0502020204030204"/>
+                <a:ea typeface="+mn-ea"/>
+                <a:cs typeface="+mn-cs"/>
+              </a:rPr>
+              <a:t>) por mencionar a 2 de los más comunes</a:t>
             </a:r>
           </a:p>
         </p:txBody>
@@ -10601,7 +10790,7 @@
         <p:spPr>
           <a:xfrm>
             <a:off x="1251284" y="1300938"/>
-            <a:ext cx="9384632" cy="2308324"/>
+            <a:ext cx="9384632" cy="2369880"/>
           </a:xfrm>
           <a:prstGeom prst="rect">
             <a:avLst/>
@@ -10615,12 +10804,20 @@
           <a:lstStyle/>
           <a:p>
             <a:r>
+              <a:rPr lang="es-ES" sz="2400" dirty="0">
+                <a:solidFill>
+                  <a:schemeClr val="accent6"/>
+                </a:solidFill>
+              </a:rPr>
+              <a:t>•</a:t>
+            </a:r>
+            <a:r>
               <a:rPr lang="es-ES" dirty="0">
                 <a:solidFill>
                   <a:schemeClr val="accent6"/>
                 </a:solidFill>
               </a:rPr>
-              <a:t>•	</a:t>
+              <a:t>	</a:t>
             </a:r>
             <a:r>
               <a:rPr lang="es-MX" sz="2400" dirty="0">

--- a/Exposicion.pptx
+++ b/Exposicion.pptx
@@ -894,10 +894,7 @@
           <a:bodyPr/>
           <a:lstStyle/>
           <a:p>
-            <a:r>
-              <a:rPr lang="es-MX" dirty="0"/>
-              <a:t>Fuentes genéricas y fuentes especificas</a:t>
-            </a:r>
+            <a:endParaRPr lang="es-MX" dirty="0"/>
           </a:p>
         </p:txBody>
       </p:sp>
@@ -5704,8 +5701,8 @@
         </p:blipFill>
         <p:spPr>
           <a:xfrm>
-            <a:off x="-84841" y="0"/>
-            <a:ext cx="12192000" cy="6858000"/>
+            <a:off x="-84842" y="-1"/>
+            <a:ext cx="12276841" cy="6905723"/>
           </a:xfrm>
         </p:spPr>
       </p:pic>
@@ -5723,8 +5720,8 @@
         </p:nvSpPr>
         <p:spPr>
           <a:xfrm>
-            <a:off x="-84841" y="0"/>
-            <a:ext cx="12192000" cy="6857999"/>
+            <a:off x="-84842" y="-1"/>
+            <a:ext cx="12276842" cy="6905723"/>
           </a:xfrm>
           <a:prstGeom prst="rect">
             <a:avLst/>
@@ -12829,71 +12826,6 @@
                 <a:cs typeface="+mn-cs"/>
               </a:rPr>
               <a:t>-Código CSS</a:t>
-            </a:r>
-          </a:p>
-        </p:txBody>
-      </p:sp>
-      <p:sp>
-        <p:nvSpPr>
-          <p:cNvPr id="12" name="TextBox 11">
-            <a:extLst>
-              <a:ext uri="{FF2B5EF4-FFF2-40B4-BE49-F238E27FC236}">
-                <a16:creationId xmlns:a16="http://schemas.microsoft.com/office/drawing/2014/main" id="{1DFE3F68-B9CE-4119-811B-70BE04F17B23}"/>
-              </a:ext>
-            </a:extLst>
-          </p:cNvPr>
-          <p:cNvSpPr txBox="1"/>
-          <p:nvPr/>
-        </p:nvSpPr>
-        <p:spPr>
-          <a:xfrm>
-            <a:off x="1180989" y="85288"/>
-            <a:ext cx="1572126" cy="369332"/>
-          </a:xfrm>
-          <a:prstGeom prst="rect">
-            <a:avLst/>
-          </a:prstGeom>
-          <a:noFill/>
-        </p:spPr>
-        <p:txBody>
-          <a:bodyPr wrap="square" rtlCol="0">
-            <a:spAutoFit/>
-          </a:bodyPr>
-          <a:lstStyle/>
-          <a:p>
-            <a:pPr marL="0" marR="0" lvl="0" indent="0" algn="l" defTabSz="914400" rtl="0" eaLnBrk="1" fontAlgn="auto" latinLnBrk="0" hangingPunct="1">
-              <a:lnSpc>
-                <a:spcPct val="100000"/>
-              </a:lnSpc>
-              <a:spcBef>
-                <a:spcPts val="0"/>
-              </a:spcBef>
-              <a:spcAft>
-                <a:spcPts val="0"/>
-              </a:spcAft>
-              <a:buClrTx/>
-              <a:buSzTx/>
-              <a:buFontTx/>
-              <a:buNone/>
-              <a:tabLst/>
-              <a:defRPr/>
-            </a:pPr>
-            <a:r>
-              <a:rPr kumimoji="0" lang="es-MX" sz="1800" b="0" i="0" u="none" strike="noStrike" kern="1200" cap="none" spc="0" normalizeH="0" baseline="0" noProof="0" dirty="0">
-                <a:ln>
-                  <a:noFill/>
-                </a:ln>
-                <a:solidFill>
-                  <a:srgbClr val="000000"/>
-                </a:solidFill>
-                <a:effectLst/>
-                <a:uLnTx/>
-                <a:uFillTx/>
-                <a:latin typeface="Calibri" panose="020F0502020204030204"/>
-                <a:ea typeface="+mn-ea"/>
-                <a:cs typeface="+mn-cs"/>
-              </a:rPr>
-              <a:t>-Resultado</a:t>
             </a:r>
           </a:p>
         </p:txBody>
